--- a/04-Data exploration and transformation in Azure Databricks.pptx
+++ b/04-Data exploration and transformation in Azure Databricks.pptx
@@ -811,7 +811,7 @@
           <a:p>
             <a:fld id="{2B56BDA5-FBCC-43E1-957B-02AF36889AD5}" type="datetimeFigureOut">
               <a:rPr lang="en-US" smtClean="0"/>
-              <a:t>12/2/2022</a:t>
+              <a:t>12/2/2023</a:t>
             </a:fld>
             <a:endParaRPr lang="en-US" dirty="0"/>
           </a:p>
@@ -988,7 +988,7 @@
           <a:p>
             <a:fld id="{8F44CDF0-0D54-4AFE-B409-D6358A9BB9A1}" type="datetimeFigureOut">
               <a:rPr lang="en-US" smtClean="0"/>
-              <a:t>12/2/2022</a:t>
+              <a:t>12/2/2023</a:t>
             </a:fld>
             <a:endParaRPr lang="en-US" dirty="0"/>
           </a:p>
